--- a/Awesome Web Server.pptx
+++ b/Awesome Web Server.pptx
@@ -416,11 +416,11 @@
           <c:showBubbleSize val="0"/>
         </c:dLbls>
         <c:gapWidth val="0"/>
-        <c:axId val="79119872"/>
-        <c:axId val="79121792"/>
+        <c:axId val="90043136"/>
+        <c:axId val="93278208"/>
       </c:barChart>
       <c:catAx>
-        <c:axId val="79119872"/>
+        <c:axId val="90043136"/>
         <c:scaling>
           <c:orientation val="minMax"/>
         </c:scaling>
@@ -453,7 +453,7 @@
         <c:majorTickMark val="out"/>
         <c:minorTickMark val="none"/>
         <c:tickLblPos val="nextTo"/>
-        <c:crossAx val="79121792"/>
+        <c:crossAx val="93278208"/>
         <c:crosses val="autoZero"/>
         <c:auto val="1"/>
         <c:lblAlgn val="ctr"/>
@@ -461,7 +461,7 @@
         <c:noMultiLvlLbl val="0"/>
       </c:catAx>
       <c:valAx>
-        <c:axId val="79121792"/>
+        <c:axId val="93278208"/>
         <c:scaling>
           <c:orientation val="minMax"/>
         </c:scaling>
@@ -491,7 +491,7 @@
         <c:majorTickMark val="out"/>
         <c:minorTickMark val="none"/>
         <c:tickLblPos val="nextTo"/>
-        <c:crossAx val="79119872"/>
+        <c:crossAx val="90043136"/>
         <c:crosses val="autoZero"/>
         <c:crossBetween val="between"/>
       </c:valAx>
@@ -682,11 +682,11 @@
         </c:dLbls>
         <c:marker val="1"/>
         <c:smooth val="0"/>
-        <c:axId val="109635072"/>
-        <c:axId val="109755776"/>
+        <c:axId val="93316992"/>
+        <c:axId val="91095040"/>
       </c:lineChart>
       <c:catAx>
-        <c:axId val="109635072"/>
+        <c:axId val="93316992"/>
         <c:scaling>
           <c:orientation val="minMax"/>
         </c:scaling>
@@ -714,7 +714,7 @@
         <c:majorTickMark val="out"/>
         <c:minorTickMark val="none"/>
         <c:tickLblPos val="nextTo"/>
-        <c:crossAx val="109755776"/>
+        <c:crossAx val="91095040"/>
         <c:crosses val="autoZero"/>
         <c:auto val="1"/>
         <c:lblAlgn val="ctr"/>
@@ -722,7 +722,7 @@
         <c:noMultiLvlLbl val="0"/>
       </c:catAx>
       <c:valAx>
-        <c:axId val="109755776"/>
+        <c:axId val="91095040"/>
         <c:scaling>
           <c:orientation val="minMax"/>
         </c:scaling>
@@ -752,7 +752,7 @@
         <c:majorTickMark val="out"/>
         <c:minorTickMark val="none"/>
         <c:tickLblPos val="nextTo"/>
-        <c:crossAx val="109635072"/>
+        <c:crossAx val="93316992"/>
         <c:crosses val="autoZero"/>
         <c:crossBetween val="between"/>
       </c:valAx>
@@ -946,11 +946,11 @@
         </c:dLbls>
         <c:marker val="1"/>
         <c:smooth val="0"/>
-        <c:axId val="80468224"/>
-        <c:axId val="91895296"/>
+        <c:axId val="91128192"/>
+        <c:axId val="91130496"/>
       </c:lineChart>
       <c:catAx>
-        <c:axId val="80468224"/>
+        <c:axId val="91128192"/>
         <c:scaling>
           <c:orientation val="minMax"/>
         </c:scaling>
@@ -978,7 +978,7 @@
         <c:majorTickMark val="out"/>
         <c:minorTickMark val="none"/>
         <c:tickLblPos val="nextTo"/>
-        <c:crossAx val="91895296"/>
+        <c:crossAx val="91130496"/>
         <c:crosses val="autoZero"/>
         <c:auto val="1"/>
         <c:lblAlgn val="ctr"/>
@@ -986,7 +986,7 @@
         <c:noMultiLvlLbl val="0"/>
       </c:catAx>
       <c:valAx>
-        <c:axId val="91895296"/>
+        <c:axId val="91130496"/>
         <c:scaling>
           <c:orientation val="minMax"/>
         </c:scaling>
@@ -1016,7 +1016,7 @@
         <c:majorTickMark val="out"/>
         <c:minorTickMark val="none"/>
         <c:tickLblPos val="nextTo"/>
-        <c:crossAx val="80468224"/>
+        <c:crossAx val="91128192"/>
         <c:crosses val="autoZero"/>
         <c:crossBetween val="between"/>
       </c:valAx>
@@ -1210,11 +1210,11 @@
         </c:dLbls>
         <c:marker val="1"/>
         <c:smooth val="0"/>
-        <c:axId val="80323328"/>
-        <c:axId val="80325632"/>
+        <c:axId val="91173248"/>
+        <c:axId val="91175552"/>
       </c:lineChart>
       <c:catAx>
-        <c:axId val="80323328"/>
+        <c:axId val="91173248"/>
         <c:scaling>
           <c:orientation val="minMax"/>
         </c:scaling>
@@ -1242,7 +1242,7 @@
         <c:majorTickMark val="out"/>
         <c:minorTickMark val="none"/>
         <c:tickLblPos val="nextTo"/>
-        <c:crossAx val="80325632"/>
+        <c:crossAx val="91175552"/>
         <c:crosses val="autoZero"/>
         <c:auto val="1"/>
         <c:lblAlgn val="ctr"/>
@@ -1250,7 +1250,7 @@
         <c:noMultiLvlLbl val="0"/>
       </c:catAx>
       <c:valAx>
-        <c:axId val="80325632"/>
+        <c:axId val="91175552"/>
         <c:scaling>
           <c:orientation val="minMax"/>
         </c:scaling>
@@ -1280,7 +1280,7 @@
         <c:majorTickMark val="out"/>
         <c:minorTickMark val="none"/>
         <c:tickLblPos val="nextTo"/>
-        <c:crossAx val="80323328"/>
+        <c:crossAx val="91173248"/>
         <c:crosses val="autoZero"/>
         <c:crossBetween val="between"/>
       </c:valAx>
@@ -1684,7 +1684,7 @@
           <a:p>
             <a:fld id="{B4D6C5EB-B94A-4265-B3D2-7C578E22584E}" type="datetimeFigureOut">
               <a:rPr lang="en-US" smtClean="0"/>
-              <a:t>5/9/2012</a:t>
+              <a:t>5/10/2012</a:t>
             </a:fld>
             <a:endParaRPr lang="en-US"/>
           </a:p>
@@ -1849,7 +1849,7 @@
           <a:p>
             <a:fld id="{B4D6C5EB-B94A-4265-B3D2-7C578E22584E}" type="datetimeFigureOut">
               <a:rPr lang="en-US" smtClean="0"/>
-              <a:t>5/9/2012</a:t>
+              <a:t>5/10/2012</a:t>
             </a:fld>
             <a:endParaRPr lang="en-US"/>
           </a:p>
@@ -2024,7 +2024,7 @@
           <a:p>
             <a:fld id="{B4D6C5EB-B94A-4265-B3D2-7C578E22584E}" type="datetimeFigureOut">
               <a:rPr lang="en-US" smtClean="0"/>
-              <a:t>5/9/2012</a:t>
+              <a:t>5/10/2012</a:t>
             </a:fld>
             <a:endParaRPr lang="en-US"/>
           </a:p>
@@ -2193,7 +2193,7 @@
           <a:p>
             <a:fld id="{B4D6C5EB-B94A-4265-B3D2-7C578E22584E}" type="datetimeFigureOut">
               <a:rPr lang="en-US" smtClean="0"/>
-              <a:t>5/9/2012</a:t>
+              <a:t>5/10/2012</a:t>
             </a:fld>
             <a:endParaRPr lang="en-US"/>
           </a:p>
@@ -2648,7 +2648,7 @@
           <a:p>
             <a:fld id="{B4D6C5EB-B94A-4265-B3D2-7C578E22584E}" type="datetimeFigureOut">
               <a:rPr lang="en-US" smtClean="0"/>
-              <a:t>5/9/2012</a:t>
+              <a:t>5/10/2012</a:t>
             </a:fld>
             <a:endParaRPr lang="en-US"/>
           </a:p>
@@ -2912,7 +2912,7 @@
           <a:p>
             <a:fld id="{B4D6C5EB-B94A-4265-B3D2-7C578E22584E}" type="datetimeFigureOut">
               <a:rPr lang="en-US" smtClean="0"/>
-              <a:t>5/9/2012</a:t>
+              <a:t>5/10/2012</a:t>
             </a:fld>
             <a:endParaRPr lang="en-US"/>
           </a:p>
@@ -3286,7 +3286,7 @@
           <a:p>
             <a:fld id="{B4D6C5EB-B94A-4265-B3D2-7C578E22584E}" type="datetimeFigureOut">
               <a:rPr lang="en-US" smtClean="0"/>
-              <a:t>5/9/2012</a:t>
+              <a:t>5/10/2012</a:t>
             </a:fld>
             <a:endParaRPr lang="en-US"/>
           </a:p>
@@ -3408,7 +3408,7 @@
           <a:p>
             <a:fld id="{B4D6C5EB-B94A-4265-B3D2-7C578E22584E}" type="datetimeFigureOut">
               <a:rPr lang="en-US" smtClean="0"/>
-              <a:t>5/9/2012</a:t>
+              <a:t>5/10/2012</a:t>
             </a:fld>
             <a:endParaRPr lang="en-US"/>
           </a:p>
@@ -3498,7 +3498,7 @@
           <a:p>
             <a:fld id="{B4D6C5EB-B94A-4265-B3D2-7C578E22584E}" type="datetimeFigureOut">
               <a:rPr lang="en-US" smtClean="0"/>
-              <a:t>5/9/2012</a:t>
+              <a:t>5/10/2012</a:t>
             </a:fld>
             <a:endParaRPr lang="en-US"/>
           </a:p>
@@ -3747,7 +3747,7 @@
           <a:p>
             <a:fld id="{B4D6C5EB-B94A-4265-B3D2-7C578E22584E}" type="datetimeFigureOut">
               <a:rPr lang="en-US" smtClean="0"/>
-              <a:t>5/9/2012</a:t>
+              <a:t>5/10/2012</a:t>
             </a:fld>
             <a:endParaRPr lang="en-US"/>
           </a:p>
@@ -4006,7 +4006,7 @@
           <a:p>
             <a:fld id="{B4D6C5EB-B94A-4265-B3D2-7C578E22584E}" type="datetimeFigureOut">
               <a:rPr lang="en-US" smtClean="0"/>
-              <a:t>5/9/2012</a:t>
+              <a:t>5/10/2012</a:t>
             </a:fld>
             <a:endParaRPr lang="en-US"/>
           </a:p>
@@ -4410,7 +4410,7 @@
           <a:p>
             <a:fld id="{B4D6C5EB-B94A-4265-B3D2-7C578E22584E}" type="datetimeFigureOut">
               <a:rPr lang="en-US" smtClean="0"/>
-              <a:t>5/9/2012</a:t>
+              <a:t>5/10/2012</a:t>
             </a:fld>
             <a:endParaRPr lang="en-US"/>
           </a:p>
@@ -5460,38 +5460,38 @@
             </a:r>
           </a:p>
           <a:p>
-            <a:endParaRPr lang="en-US" dirty="0" smtClean="0"/>
-          </a:p>
-          <a:p>
-            <a:r>
-              <a:rPr lang="en-US" dirty="0" smtClean="0"/>
-              <a:t>Generally linear scaling</a:t>
-            </a:r>
-          </a:p>
-          <a:p>
-            <a:pPr lvl="1"/>
-            <a:r>
-              <a:rPr lang="en-US" dirty="0" smtClean="0"/>
-              <a:t>Requests completely data-parallel</a:t>
-            </a:r>
-          </a:p>
-          <a:p>
-            <a:pPr lvl="1"/>
-            <a:r>
-              <a:rPr lang="en-US" dirty="0" smtClean="0"/>
-              <a:t>Only potential bottleneck at dispatcher</a:t>
-            </a:r>
-          </a:p>
-          <a:p>
             <a:pPr lvl="1"/>
             <a:endParaRPr lang="en-US" dirty="0" smtClean="0"/>
           </a:p>
           <a:p>
             <a:r>
               <a:rPr lang="en-US" dirty="0" smtClean="0"/>
+              <a:t>Generally linear scaling</a:t>
+            </a:r>
+          </a:p>
+          <a:p>
+            <a:pPr lvl="1"/>
+            <a:r>
+              <a:rPr lang="en-US" dirty="0" smtClean="0"/>
+              <a:t>Requests completely data-parallel</a:t>
+            </a:r>
+          </a:p>
+          <a:p>
+            <a:pPr lvl="1"/>
+            <a:r>
+              <a:rPr lang="en-US" dirty="0" smtClean="0"/>
+              <a:t>Only potential bottleneck at dispatcher</a:t>
+            </a:r>
+          </a:p>
+          <a:p>
+            <a:pPr lvl="1"/>
+            <a:endParaRPr lang="en-US" dirty="0" smtClean="0"/>
+          </a:p>
+          <a:p>
+            <a:r>
+              <a:rPr lang="en-US" dirty="0" smtClean="0"/>
               <a:t>Elasticity generally worth it</a:t>
             </a:r>
-            <a:endParaRPr lang="en-US" dirty="0" smtClean="0"/>
           </a:p>
         </p:txBody>
       </p:sp>
@@ -5565,38 +5565,68 @@
             <p:ph idx="1"/>
           </p:nvPr>
         </p:nvSpPr>
-        <p:spPr/>
+        <p:spPr>
+          <a:xfrm>
+            <a:off x="457200" y="1371600"/>
+            <a:ext cx="7467600" cy="5486400"/>
+          </a:xfrm>
+        </p:spPr>
         <p:txBody>
           <a:bodyPr>
-            <a:normAutofit lnSpcReduction="10000"/>
+            <a:normAutofit fontScale="92500" lnSpcReduction="10000"/>
           </a:bodyPr>
           <a:lstStyle/>
           <a:p>
             <a:r>
               <a:rPr lang="en-US" dirty="0" smtClean="0"/>
-              <a:t>Request forwarding rather than redirection</a:t>
-            </a:r>
+              <a:t>Add request forwarding</a:t>
+            </a:r>
+          </a:p>
+          <a:p>
+            <a:pPr lvl="1"/>
+            <a:r>
+              <a:rPr lang="en-US" dirty="0" smtClean="0"/>
+              <a:t>Faster than </a:t>
+            </a:r>
+            <a:r>
+              <a:rPr lang="en-US" dirty="0" smtClean="0"/>
+              <a:t>redirection</a:t>
+            </a:r>
+          </a:p>
+          <a:p>
+            <a:pPr lvl="1"/>
+            <a:r>
+              <a:rPr lang="en-US" dirty="0" smtClean="0"/>
+              <a:t>Beyond scope of </a:t>
+            </a:r>
+            <a:r>
+              <a:rPr lang="en-US" dirty="0" smtClean="0"/>
+              <a:t>course</a:t>
+            </a:r>
+          </a:p>
+          <a:p>
+            <a:pPr lvl="1"/>
             <a:endParaRPr lang="en-US" dirty="0" smtClean="0"/>
           </a:p>
           <a:p>
+            <a:r>
+              <a:rPr lang="en-US" dirty="0" smtClean="0"/>
+              <a:t>Smarter load balancing</a:t>
+            </a:r>
+          </a:p>
+          <a:p>
             <a:pPr lvl="1"/>
             <a:r>
               <a:rPr lang="en-US" dirty="0" smtClean="0"/>
-              <a:t>Beyond scope of course</a:t>
-            </a:r>
-          </a:p>
-          <a:p>
-            <a:r>
-              <a:rPr lang="en-US" dirty="0" smtClean="0"/>
-              <a:t>Smarter load balancing</a:t>
+              <a:t>Based on average latency</a:t>
+            </a:r>
+            <a:r>
+              <a:rPr lang="en-US" dirty="0" smtClean="0"/>
+              <a:t>?</a:t>
             </a:r>
           </a:p>
           <a:p>
             <a:pPr lvl="1"/>
-            <a:r>
-              <a:rPr lang="en-US" dirty="0" smtClean="0"/>
-              <a:t>Based on average latency?</a:t>
-            </a:r>
             <a:endParaRPr lang="en-US" dirty="0" smtClean="0"/>
           </a:p>
           <a:p>
@@ -5609,24 +5639,23 @@
             <a:pPr lvl="1"/>
             <a:r>
               <a:rPr lang="en-US" dirty="0" smtClean="0"/>
-              <a:t>Elasticity </a:t>
-            </a:r>
-            <a:r>
-              <a:rPr lang="en-US" dirty="0" smtClean="0"/>
-              <a:t>thresholds</a:t>
-            </a:r>
+              <a:t>Elasticity thresholds</a:t>
+            </a:r>
+          </a:p>
+          <a:p>
+            <a:pPr lvl="1"/>
+            <a:r>
+              <a:rPr lang="en-US" dirty="0" smtClean="0"/>
+              <a:t>Cache </a:t>
+            </a:r>
+            <a:r>
+              <a:rPr lang="en-US" dirty="0" smtClean="0"/>
+              <a:t>parameters/design</a:t>
+            </a:r>
+          </a:p>
+          <a:p>
+            <a:pPr lvl="1"/>
             <a:endParaRPr lang="en-US" dirty="0" smtClean="0"/>
-          </a:p>
-          <a:p>
-            <a:pPr lvl="1"/>
-            <a:r>
-              <a:rPr lang="en-US" dirty="0" smtClean="0"/>
-              <a:t>Cache </a:t>
-            </a:r>
-            <a:r>
-              <a:rPr lang="en-US" dirty="0" smtClean="0"/>
-              <a:t>parameters/design</a:t>
-            </a:r>
           </a:p>
           <a:p>
             <a:r>
@@ -5708,7 +5737,9 @@
         </p:nvSpPr>
         <p:spPr/>
         <p:txBody>
-          <a:bodyPr/>
+          <a:bodyPr>
+            <a:normAutofit fontScale="92500" lnSpcReduction="10000"/>
+          </a:bodyPr>
           <a:lstStyle/>
           <a:p>
             <a:r>
@@ -5723,14 +5754,26 @@
               <a:rPr lang="en-US" dirty="0" err="1" smtClean="0"/>
               <a:t>Fatahalian</a:t>
             </a:r>
+            <a:r>
+              <a:rPr lang="en-US" dirty="0" smtClean="0"/>
+              <a:t> (and Mike &amp; Michael)</a:t>
+            </a:r>
             <a:endParaRPr lang="en-US" dirty="0" smtClean="0"/>
           </a:p>
           <a:p>
             <a:pPr lvl="1"/>
             <a:r>
               <a:rPr lang="en-US" dirty="0" smtClean="0"/>
-              <a:t>For teaching the course, and providing ideas for features to implement on the server</a:t>
-            </a:r>
+              <a:t>For teaching the course, and providing ideas for features to implement on the </a:t>
+            </a:r>
+            <a:r>
+              <a:rPr lang="en-US" dirty="0" smtClean="0"/>
+              <a:t>server</a:t>
+            </a:r>
+          </a:p>
+          <a:p>
+            <a:pPr lvl="1"/>
+            <a:endParaRPr lang="en-US" dirty="0" smtClean="0"/>
           </a:p>
           <a:p>
             <a:r>
@@ -5758,8 +5801,16 @@
             </a:r>
             <a:r>
               <a:rPr lang="en-US" dirty="0" smtClean="0"/>
-              <a:t> server starter code from 15-213</a:t>
-            </a:r>
+              <a:t> server starter code from </a:t>
+            </a:r>
+            <a:r>
+              <a:rPr lang="en-US" dirty="0" smtClean="0"/>
+              <a:t>15-213</a:t>
+            </a:r>
+          </a:p>
+          <a:p>
+            <a:pPr lvl="1"/>
+            <a:endParaRPr lang="en-US" dirty="0" smtClean="0"/>
           </a:p>
           <a:p>
             <a:r>
@@ -5776,14 +5827,23 @@
             </a:r>
             <a:r>
               <a:rPr lang="en-US" dirty="0" smtClean="0"/>
-              <a:t>, and Yu</a:t>
-            </a:r>
+              <a:t>, and </a:t>
+            </a:r>
+            <a:r>
+              <a:rPr lang="en-US" dirty="0" smtClean="0"/>
+              <a:t>Yu</a:t>
+            </a:r>
+            <a:endParaRPr lang="en-US" dirty="0" smtClean="0"/>
           </a:p>
           <a:p>
             <a:pPr lvl="1"/>
             <a:r>
               <a:rPr lang="en-US" dirty="0" smtClean="0"/>
-              <a:t>Their paper </a:t>
+              <a:t>For their </a:t>
+            </a:r>
+            <a:r>
+              <a:rPr lang="en-US" dirty="0" smtClean="0"/>
+              <a:t>paper </a:t>
             </a:r>
             <a:r>
               <a:rPr lang="en-US" i="1" dirty="0" smtClean="0"/>
@@ -5879,15 +5939,7 @@
           <a:p>
             <a:r>
               <a:rPr lang="en-US" dirty="0" smtClean="0"/>
-              <a:t>Web </a:t>
-            </a:r>
-            <a:r>
-              <a:rPr lang="en-US" dirty="0" smtClean="0"/>
-              <a:t>servers </a:t>
-            </a:r>
-            <a:r>
-              <a:rPr lang="en-US" dirty="0" smtClean="0"/>
-              <a:t>suffer heavy traffic</a:t>
+              <a:t>Web servers suffer heavy traffic</a:t>
             </a:r>
           </a:p>
           <a:p>
@@ -5944,13 +5996,8 @@
             <a:pPr lvl="2"/>
             <a:r>
               <a:rPr lang="en-US" dirty="0" smtClean="0"/>
-              <a:t>Saves </a:t>
-            </a:r>
-            <a:r>
-              <a:rPr lang="en-US" dirty="0" smtClean="0"/>
-              <a:t>resources</a:t>
-            </a:r>
-            <a:endParaRPr lang="en-US" dirty="0" smtClean="0"/>
+              <a:t>Saves resources</a:t>
+            </a:r>
           </a:p>
           <a:p>
             <a:pPr lvl="1"/>
@@ -6059,11 +6106,7 @@
           <a:p>
             <a:r>
               <a:rPr lang="en-US" dirty="0" smtClean="0"/>
-              <a:t>Dispatching requests to </a:t>
-            </a:r>
-            <a:r>
-              <a:rPr lang="en-US" dirty="0" smtClean="0"/>
-              <a:t>workers</a:t>
+              <a:t>Dispatching requests to workers</a:t>
             </a:r>
           </a:p>
           <a:p>
@@ -6082,7 +6125,6 @@
               <a:rPr lang="en-US" b="1" dirty="0" smtClean="0"/>
               <a:t>Resource management</a:t>
             </a:r>
-            <a:endParaRPr lang="en-US" b="1" dirty="0" smtClean="0"/>
           </a:p>
           <a:p>
             <a:pPr lvl="1"/>
@@ -6305,6 +6347,34 @@
           </a:extLst>
         </p:spPr>
       </p:pic>
+      <p:sp>
+        <p:nvSpPr>
+          <p:cNvPr id="5" name="Content Placeholder 2"/>
+          <p:cNvSpPr>
+            <a:spLocks noGrp="1"/>
+          </p:cNvSpPr>
+          <p:nvPr>
+            <p:ph idx="1"/>
+          </p:nvPr>
+        </p:nvSpPr>
+        <p:spPr>
+          <a:xfrm>
+            <a:off x="457200" y="5562600"/>
+            <a:ext cx="7467600" cy="1219200"/>
+          </a:xfrm>
+        </p:spPr>
+        <p:txBody>
+          <a:bodyPr/>
+          <a:lstStyle/>
+          <a:p>
+            <a:r>
+              <a:rPr lang="en-US" dirty="0" smtClean="0"/>
+              <a:t>Dispatcher receives HTTP request</a:t>
+            </a:r>
+            <a:endParaRPr lang="en-US" dirty="0"/>
+          </a:p>
+        </p:txBody>
+      </p:sp>
     </p:spTree>
     <p:extLst>
       <p:ext uri="{BB962C8B-B14F-4D97-AF65-F5344CB8AC3E}">
@@ -6406,6 +6476,40 @@
           </a:extLst>
         </p:spPr>
       </p:pic>
+      <p:sp>
+        <p:nvSpPr>
+          <p:cNvPr id="4" name="Content Placeholder 2"/>
+          <p:cNvSpPr>
+            <a:spLocks noGrp="1"/>
+          </p:cNvSpPr>
+          <p:nvPr>
+            <p:ph idx="1"/>
+          </p:nvPr>
+        </p:nvSpPr>
+        <p:spPr>
+          <a:xfrm>
+            <a:off x="457200" y="5400093"/>
+            <a:ext cx="7467600" cy="1381707"/>
+          </a:xfrm>
+        </p:spPr>
+        <p:txBody>
+          <a:bodyPr/>
+          <a:lstStyle/>
+          <a:p>
+            <a:r>
+              <a:rPr lang="en-US" dirty="0" smtClean="0"/>
+              <a:t>Dispatcher sends redirect to client</a:t>
+            </a:r>
+          </a:p>
+          <a:p>
+            <a:r>
+              <a:rPr lang="en-US" dirty="0" smtClean="0"/>
+              <a:t>Dispatcher updates Load Balancer</a:t>
+            </a:r>
+            <a:endParaRPr lang="en-US" dirty="0"/>
+          </a:p>
+        </p:txBody>
+      </p:sp>
     </p:spTree>
     <p:extLst>
       <p:ext uri="{BB962C8B-B14F-4D97-AF65-F5344CB8AC3E}">
@@ -6507,6 +6611,34 @@
           </a:extLst>
         </p:spPr>
       </p:pic>
+      <p:sp>
+        <p:nvSpPr>
+          <p:cNvPr id="4" name="Content Placeholder 2"/>
+          <p:cNvSpPr>
+            <a:spLocks noGrp="1"/>
+          </p:cNvSpPr>
+          <p:nvPr>
+            <p:ph idx="1"/>
+          </p:nvPr>
+        </p:nvSpPr>
+        <p:spPr>
+          <a:xfrm>
+            <a:off x="457200" y="5562600"/>
+            <a:ext cx="7620000" cy="1219200"/>
+          </a:xfrm>
+        </p:spPr>
+        <p:txBody>
+          <a:bodyPr/>
+          <a:lstStyle/>
+          <a:p>
+            <a:r>
+              <a:rPr lang="en-US" dirty="0" smtClean="0"/>
+              <a:t>Worker receives redirected HTTP request</a:t>
+            </a:r>
+            <a:endParaRPr lang="en-US" dirty="0"/>
+          </a:p>
+        </p:txBody>
+      </p:sp>
     </p:spTree>
     <p:extLst>
       <p:ext uri="{BB962C8B-B14F-4D97-AF65-F5344CB8AC3E}">
@@ -6608,6 +6740,34 @@
           </a:extLst>
         </p:spPr>
       </p:pic>
+      <p:sp>
+        <p:nvSpPr>
+          <p:cNvPr id="4" name="Content Placeholder 2"/>
+          <p:cNvSpPr>
+            <a:spLocks noGrp="1"/>
+          </p:cNvSpPr>
+          <p:nvPr>
+            <p:ph idx="1"/>
+          </p:nvPr>
+        </p:nvSpPr>
+        <p:spPr>
+          <a:xfrm>
+            <a:off x="457200" y="5562600"/>
+            <a:ext cx="7467600" cy="1219200"/>
+          </a:xfrm>
+        </p:spPr>
+        <p:txBody>
+          <a:bodyPr/>
+          <a:lstStyle/>
+          <a:p>
+            <a:r>
+              <a:rPr lang="en-US" dirty="0" smtClean="0"/>
+              <a:t>Worker sends HTTP response</a:t>
+            </a:r>
+            <a:endParaRPr lang="en-US" dirty="0"/>
+          </a:p>
+        </p:txBody>
+      </p:sp>
     </p:spTree>
     <p:extLst>
       <p:ext uri="{BB962C8B-B14F-4D97-AF65-F5344CB8AC3E}">
@@ -6709,6 +6869,42 @@
           </a:extLst>
         </p:spPr>
       </p:pic>
+      <p:sp>
+        <p:nvSpPr>
+          <p:cNvPr id="4" name="Content Placeholder 2"/>
+          <p:cNvSpPr>
+            <a:spLocks noGrp="1"/>
+          </p:cNvSpPr>
+          <p:nvPr>
+            <p:ph idx="1"/>
+          </p:nvPr>
+        </p:nvSpPr>
+        <p:spPr>
+          <a:xfrm>
+            <a:off x="457200" y="5562600"/>
+            <a:ext cx="7467600" cy="1219200"/>
+          </a:xfrm>
+        </p:spPr>
+        <p:txBody>
+          <a:bodyPr/>
+          <a:lstStyle/>
+          <a:p>
+            <a:r>
+              <a:rPr lang="en-US" dirty="0" smtClean="0"/>
+              <a:t>Worker updates Load </a:t>
+            </a:r>
+            <a:r>
+              <a:rPr lang="en-US" dirty="0"/>
+              <a:t>B</a:t>
+            </a:r>
+            <a:r>
+              <a:rPr lang="en-US" dirty="0" smtClean="0"/>
+              <a:t>alancer</a:t>
+            </a:r>
+            <a:endParaRPr lang="en-US" dirty="0"/>
+          </a:p>
+        </p:txBody>
+      </p:sp>
     </p:spTree>
     <p:extLst>
       <p:ext uri="{BB962C8B-B14F-4D97-AF65-F5344CB8AC3E}">
@@ -6734,7 +6930,7 @@
   <a:themeElements>
     <a:clrScheme name="Technic">
       <a:dk1>
-        <a:sysClr val="windowText" lastClr="000000"/>
+        <a:sysClr val="windowText" lastClr="171717"/>
       </a:dk1>
       <a:lt1>
         <a:sysClr val="window" lastClr="FFFFFF"/>
